--- a/documentation/docs/presentasi sidang.pptx
+++ b/documentation/docs/presentasi sidang.pptx
@@ -26150,7 +26150,7 @@
         </p:nvSpPr>
         <p:spPr>
           <a:xfrm>
-            <a:off x="2061022" y="1514329"/>
+            <a:off x="2061022" y="987107"/>
             <a:ext cx="5021954" cy="915000"/>
           </a:xfrm>
           <a:prstGeom prst="rect">
@@ -26491,7 +26491,7 @@
         </p:nvSpPr>
         <p:spPr>
           <a:xfrm>
-            <a:off x="2271151" y="2796551"/>
+            <a:off x="2271150" y="2404552"/>
             <a:ext cx="4601697" cy="1247674"/>
           </a:xfrm>
           <a:prstGeom prst="rect">
@@ -26764,12 +26764,18 @@
             </a:r>
           </a:p>
           <a:p>
+            <a:endParaRPr lang="en-ID" dirty="0"/>
+          </a:p>
+          <a:p>
             <a:r>
               <a:rPr lang="en-ID" dirty="0"/>
               <a:t>NIM: 191011400278</a:t>
             </a:r>
           </a:p>
           <a:p>
+            <a:endParaRPr lang="en-ID" dirty="0"/>
+          </a:p>
+          <a:p>
             <a:r>
               <a:rPr lang="en-ID" dirty="0" err="1"/>
               <a:t>Universitas</a:t>
@@ -26782,6 +26788,9 @@
               <a:rPr lang="en-ID" dirty="0" err="1"/>
               <a:t>Pamulang</a:t>
             </a:r>
+            <a:endParaRPr lang="en-ID" dirty="0"/>
+          </a:p>
+          <a:p>
             <a:endParaRPr lang="en-ID" dirty="0"/>
           </a:p>
           <a:p>
@@ -27680,6 +27689,19 @@
               <a:tabLst/>
             </a:pPr>
             <a:r>
+              <a:rPr kumimoji="0" lang="en-US" altLang="en-US" sz="1600" b="0" i="0" u="none" strike="noStrike" cap="none" normalizeH="0" baseline="0" dirty="0">
+                <a:ln>
+                  <a:noFill/>
+                </a:ln>
+                <a:solidFill>
+                  <a:schemeClr val="bg1"/>
+                </a:solidFill>
+                <a:effectLst/>
+                <a:latin typeface="Arial" panose="020B0604020202020204" pitchFamily="34" charset="0"/>
+              </a:rPr>
+              <a:t> </a:t>
+            </a:r>
+            <a:r>
               <a:rPr kumimoji="0" lang="en-US" altLang="en-US" sz="1600" b="0" i="0" u="none" strike="noStrike" cap="none" normalizeH="0" baseline="0" dirty="0" err="1">
                 <a:ln>
                   <a:noFill/>
@@ -27955,6 +27977,19 @@
               <a:tabLst/>
             </a:pPr>
             <a:r>
+              <a:rPr kumimoji="0" lang="en-US" altLang="en-US" sz="1600" b="0" i="0" u="none" strike="noStrike" cap="none" normalizeH="0" baseline="0" dirty="0">
+                <a:ln>
+                  <a:noFill/>
+                </a:ln>
+                <a:solidFill>
+                  <a:schemeClr val="bg1"/>
+                </a:solidFill>
+                <a:effectLst/>
+                <a:latin typeface="Arial" panose="020B0604020202020204" pitchFamily="34" charset="0"/>
+              </a:rPr>
+              <a:t> Penyakit diabetes </a:t>
+            </a:r>
+            <a:r>
               <a:rPr kumimoji="0" lang="en-US" altLang="en-US" sz="1600" b="0" i="0" u="none" strike="noStrike" cap="none" normalizeH="0" baseline="0" dirty="0" err="1">
                 <a:ln>
                   <a:noFill/>
@@ -27965,7 +28000,7 @@
                 <a:effectLst/>
                 <a:latin typeface="Arial" panose="020B0604020202020204" pitchFamily="34" charset="0"/>
               </a:rPr>
-              <a:t>Penyakit</a:t>
+              <a:t>seringkali</a:t>
             </a:r>
             <a:r>
               <a:rPr kumimoji="0" lang="en-US" altLang="en-US" sz="1600" b="0" i="0" u="none" strike="noStrike" cap="none" normalizeH="0" baseline="0" dirty="0">
@@ -27978,7 +28013,7 @@
                 <a:effectLst/>
                 <a:latin typeface="Arial" panose="020B0604020202020204" pitchFamily="34" charset="0"/>
               </a:rPr>
-              <a:t> diabetes </a:t>
+              <a:t> </a:t>
             </a:r>
             <a:r>
               <a:rPr kumimoji="0" lang="en-US" altLang="en-US" sz="1600" b="0" i="0" u="none" strike="noStrike" cap="none" normalizeH="0" baseline="0" dirty="0" err="1">
@@ -27991,7 +28026,7 @@
                 <a:effectLst/>
                 <a:latin typeface="Arial" panose="020B0604020202020204" pitchFamily="34" charset="0"/>
               </a:rPr>
-              <a:t>seringkali</a:t>
+              <a:t>tidak</a:t>
             </a:r>
             <a:r>
               <a:rPr kumimoji="0" lang="en-US" altLang="en-US" sz="1600" b="0" i="0" u="none" strike="noStrike" cap="none" normalizeH="0" baseline="0" dirty="0">
@@ -28017,7 +28052,7 @@
                 <a:effectLst/>
                 <a:latin typeface="Arial" panose="020B0604020202020204" pitchFamily="34" charset="0"/>
               </a:rPr>
-              <a:t>tidak</a:t>
+              <a:t>terdeteksi</a:t>
             </a:r>
             <a:r>
               <a:rPr kumimoji="0" lang="en-US" altLang="en-US" sz="1600" b="0" i="0" u="none" strike="noStrike" cap="none" normalizeH="0" baseline="0" dirty="0">
@@ -28043,7 +28078,7 @@
                 <a:effectLst/>
                 <a:latin typeface="Arial" panose="020B0604020202020204" pitchFamily="34" charset="0"/>
               </a:rPr>
-              <a:t>terdeteksi</a:t>
+              <a:t>karena</a:t>
             </a:r>
             <a:r>
               <a:rPr kumimoji="0" lang="en-US" altLang="en-US" sz="1600" b="0" i="0" u="none" strike="noStrike" cap="none" normalizeH="0" baseline="0" dirty="0">
@@ -28069,7 +28104,7 @@
                 <a:effectLst/>
                 <a:latin typeface="Arial" panose="020B0604020202020204" pitchFamily="34" charset="0"/>
               </a:rPr>
-              <a:t>karena</a:t>
+              <a:t>gejalanya</a:t>
             </a:r>
             <a:r>
               <a:rPr kumimoji="0" lang="en-US" altLang="en-US" sz="1600" b="0" i="0" u="none" strike="noStrike" cap="none" normalizeH="0" baseline="0" dirty="0">
@@ -28095,7 +28130,7 @@
                 <a:effectLst/>
                 <a:latin typeface="Arial" panose="020B0604020202020204" pitchFamily="34" charset="0"/>
               </a:rPr>
-              <a:t>gejalanya</a:t>
+              <a:t>mirip</a:t>
             </a:r>
             <a:r>
               <a:rPr kumimoji="0" lang="en-US" altLang="en-US" sz="1600" b="0" i="0" u="none" strike="noStrike" cap="none" normalizeH="0" baseline="0" dirty="0">
@@ -28108,59 +28143,7 @@
                 <a:effectLst/>
                 <a:latin typeface="Arial" panose="020B0604020202020204" pitchFamily="34" charset="0"/>
               </a:rPr>
-              <a:t> </a:t>
-            </a:r>
-            <a:r>
-              <a:rPr kumimoji="0" lang="en-US" altLang="en-US" sz="1600" b="0" i="0" u="none" strike="noStrike" cap="none" normalizeH="0" baseline="0" dirty="0" err="1">
-                <a:ln>
-                  <a:noFill/>
-                </a:ln>
-                <a:solidFill>
-                  <a:schemeClr val="bg1"/>
-                </a:solidFill>
-                <a:effectLst/>
-                <a:latin typeface="Arial" panose="020B0604020202020204" pitchFamily="34" charset="0"/>
-              </a:rPr>
-              <a:t>mirip</a:t>
-            </a:r>
-            <a:r>
-              <a:rPr kumimoji="0" lang="en-US" altLang="en-US" sz="1600" b="0" i="0" u="none" strike="noStrike" cap="none" normalizeH="0" baseline="0" dirty="0">
-                <a:ln>
-                  <a:noFill/>
-                </a:ln>
-                <a:solidFill>
-                  <a:schemeClr val="bg1"/>
-                </a:solidFill>
-                <a:effectLst/>
-                <a:latin typeface="Arial" panose="020B0604020202020204" pitchFamily="34" charset="0"/>
-              </a:rPr>
-              <a:t> dengan </a:t>
-            </a:r>
-            <a:r>
-              <a:rPr kumimoji="0" lang="en-US" altLang="en-US" sz="1600" b="0" i="0" u="none" strike="noStrike" cap="none" normalizeH="0" baseline="0" dirty="0" err="1">
-                <a:ln>
-                  <a:noFill/>
-                </a:ln>
-                <a:solidFill>
-                  <a:schemeClr val="bg1"/>
-                </a:solidFill>
-                <a:effectLst/>
-                <a:latin typeface="Arial" panose="020B0604020202020204" pitchFamily="34" charset="0"/>
-              </a:rPr>
-              <a:t>penyakit</a:t>
-            </a:r>
-            <a:r>
-              <a:rPr kumimoji="0" lang="en-US" altLang="en-US" sz="1600" b="0" i="0" u="none" strike="noStrike" cap="none" normalizeH="0" baseline="0" dirty="0">
-                <a:ln>
-                  <a:noFill/>
-                </a:ln>
-                <a:solidFill>
-                  <a:schemeClr val="bg1"/>
-                </a:solidFill>
-                <a:effectLst/>
-                <a:latin typeface="Arial" panose="020B0604020202020204" pitchFamily="34" charset="0"/>
-              </a:rPr>
-              <a:t> lain.</a:t>
+              <a:t> dengan penyakit lain.</a:t>
             </a:r>
           </a:p>
           <a:p>
@@ -28204,6 +28187,19 @@
               <a:tabLst/>
             </a:pPr>
             <a:r>
+              <a:rPr kumimoji="0" lang="en-US" altLang="en-US" sz="1600" b="0" i="0" u="none" strike="noStrike" cap="none" normalizeH="0" baseline="0" dirty="0">
+                <a:ln>
+                  <a:noFill/>
+                </a:ln>
+                <a:solidFill>
+                  <a:schemeClr val="bg1"/>
+                </a:solidFill>
+                <a:effectLst/>
+                <a:latin typeface="Arial" panose="020B0604020202020204" pitchFamily="34" charset="0"/>
+              </a:rPr>
+              <a:t> </a:t>
+            </a:r>
+            <a:r>
               <a:rPr kumimoji="0" lang="en-US" altLang="en-US" sz="1600" b="0" i="0" u="none" strike="noStrike" cap="none" normalizeH="0" baseline="0" dirty="0" err="1">
                 <a:ln>
                   <a:noFill/>
@@ -28383,33 +28379,7 @@
                 <a:effectLst/>
                 <a:latin typeface="Arial" panose="020B0604020202020204" pitchFamily="34" charset="0"/>
               </a:rPr>
-              <a:t> </a:t>
-            </a:r>
-            <a:r>
-              <a:rPr kumimoji="0" lang="en-US" altLang="en-US" sz="1600" b="0" i="0" u="none" strike="noStrike" cap="none" normalizeH="0" baseline="0" dirty="0" err="1">
-                <a:ln>
-                  <a:noFill/>
-                </a:ln>
-                <a:solidFill>
-                  <a:schemeClr val="bg1"/>
-                </a:solidFill>
-                <a:effectLst/>
-                <a:latin typeface="Arial" panose="020B0604020202020204" pitchFamily="34" charset="0"/>
-              </a:rPr>
-              <a:t>mudah</a:t>
-            </a:r>
-            <a:r>
-              <a:rPr kumimoji="0" lang="en-US" altLang="en-US" sz="1600" b="0" i="0" u="none" strike="noStrike" cap="none" normalizeH="0" baseline="0" dirty="0">
-                <a:ln>
-                  <a:noFill/>
-                </a:ln>
-                <a:solidFill>
-                  <a:schemeClr val="bg1"/>
-                </a:solidFill>
-                <a:effectLst/>
-                <a:latin typeface="Arial" panose="020B0604020202020204" pitchFamily="34" charset="0"/>
-              </a:rPr>
-              <a:t> </a:t>
+              <a:t> mudah </a:t>
             </a:r>
             <a:r>
               <a:rPr kumimoji="0" lang="en-US" altLang="en-US" sz="1600" b="0" i="0" u="none" strike="noStrike" cap="none" normalizeH="0" baseline="0" dirty="0" err="1">
